--- a/lect5-s2-thread-synch.pptx
+++ b/lect5-s2-thread-synch.pptx
@@ -120,6 +120,22 @@
       </a:defRPr>
     </a:lvl9pPr>
   </p:defaultTextStyle>
+  <p:extLst>
+    <p:ext uri="{EFAFB233-063F-42B5-8137-9DF3F51BA10A}">
+      <p15:sldGuideLst xmlns:p15="http://schemas.microsoft.com/office/powerpoint/2012/main">
+        <p15:guide id="1" orient="horz" pos="2880">
+          <p15:clr>
+            <a:srgbClr val="A4A3A4"/>
+          </p15:clr>
+        </p15:guide>
+        <p15:guide id="2" pos="2160">
+          <p15:clr>
+            <a:srgbClr val="A4A3A4"/>
+          </p15:clr>
+        </p15:guide>
+      </p15:sldGuideLst>
+    </p:ext>
+  </p:extLst>
 </p:presentation>
 </file>
 
@@ -286,7 +302,7 @@
           <a:p>
             <a:fld id="{1D8BD707-D9CF-40AE-B4C6-C98DA3205C09}" type="datetimeFigureOut">
               <a:rPr lang="en-US"/>
-              <a:t>10/2/2017</a:t>
+              <a:t>10/12/2017</a:t>
             </a:fld>
             <a:endParaRPr lang="en-US"/>
           </a:p>
@@ -493,7 +509,7 @@
           <a:p>
             <a:fld id="{1D8BD707-D9CF-40AE-B4C6-C98DA3205C09}" type="datetimeFigureOut">
               <a:rPr lang="en-US"/>
-              <a:t>10/2/2017</a:t>
+              <a:t>10/12/2017</a:t>
             </a:fld>
             <a:endParaRPr lang="en-US"/>
           </a:p>
@@ -737,7 +753,7 @@
           <a:p>
             <a:fld id="{1D8BD707-D9CF-40AE-B4C6-C98DA3205C09}" type="datetimeFigureOut">
               <a:rPr lang="en-US"/>
-              <a:t>10/2/2017</a:t>
+              <a:t>10/12/2017</a:t>
             </a:fld>
             <a:endParaRPr lang="en-US"/>
           </a:p>
@@ -915,7 +931,7 @@
           <a:p>
             <a:fld id="{1D8BD707-D9CF-40AE-B4C6-C98DA3205C09}" type="datetimeFigureOut">
               <a:rPr lang="en-US"/>
-              <a:t>10/2/2017</a:t>
+              <a:t>10/12/2017</a:t>
             </a:fld>
             <a:endParaRPr lang="en-US"/>
           </a:p>
@@ -1064,7 +1080,7 @@
           <a:p>
             <a:fld id="{1D8BD707-D9CF-40AE-B4C6-C98DA3205C09}" type="datetimeFigureOut">
               <a:rPr lang="en-US"/>
-              <a:t>10/2/2017</a:t>
+              <a:t>10/12/2017</a:t>
             </a:fld>
             <a:endParaRPr lang="en-US"/>
           </a:p>
@@ -1319,7 +1335,7 @@
           <a:p>
             <a:fld id="{1D8BD707-D9CF-40AE-B4C6-C98DA3205C09}" type="datetimeFigureOut">
               <a:rPr lang="en-US"/>
-              <a:t>10/2/2017</a:t>
+              <a:t>10/12/2017</a:t>
             </a:fld>
             <a:endParaRPr lang="en-US"/>
           </a:p>
@@ -2437,7 +2453,6 @@
               <a:rPr lang="en-US" dirty="0" smtClean="0"/>
               <a:t>100</a:t>
             </a:r>
-            <a:endParaRPr lang="en-US" dirty="0" smtClean="0"/>
           </a:p>
           <a:p>
             <a:r>
@@ -2632,6 +2647,9 @@
             </a:r>
             <a:r>
               <a:rPr sz="2000" u="heavy" spc="-5" dirty="0">
+                <a:solidFill>
+                  <a:schemeClr val="accent2"/>
+                </a:solidFill>
                 <a:uFill>
                   <a:solidFill>
                     <a:srgbClr val="000000"/>
@@ -2644,6 +2662,9 @@
             </a:r>
             <a:r>
               <a:rPr sz="2000" u="heavy" dirty="0">
+                <a:solidFill>
+                  <a:schemeClr val="accent2"/>
+                </a:solidFill>
                 <a:uFill>
                   <a:solidFill>
                     <a:srgbClr val="000000"/>
@@ -2753,14 +2774,39 @@
                 <a:latin typeface="Arial"/>
                 <a:cs typeface="Arial"/>
               </a:rPr>
-              <a:t>thread releases</a:t>
+              <a:t>thread </a:t>
+            </a:r>
+            <a:r>
+              <a:rPr sz="2000" u="heavy" spc="-5" dirty="0">
+                <a:solidFill>
+                  <a:schemeClr val="accent2"/>
+                </a:solidFill>
+                <a:uFill>
+                  <a:solidFill>
+                    <a:srgbClr val="000000"/>
+                  </a:solidFill>
+                </a:uFill>
+                <a:latin typeface="Arial"/>
+                <a:cs typeface="Arial"/>
+              </a:rPr>
+              <a:t>releases</a:t>
+            </a:r>
+            <a:r>
+              <a:rPr sz="2000" spc="-5" dirty="0">
+                <a:solidFill>
+                  <a:schemeClr val="accent2"/>
+                </a:solidFill>
+                <a:latin typeface="Arial"/>
+                <a:cs typeface="Arial"/>
+              </a:rPr>
+              <a:t> </a:t>
             </a:r>
             <a:r>
               <a:rPr sz="2000" spc="-5" dirty="0">
                 <a:latin typeface="Arial"/>
                 <a:cs typeface="Arial"/>
               </a:rPr>
-              <a:t> the acquired lock </a:t>
+              <a:t>the acquired lock </a:t>
             </a:r>
             <a:r>
               <a:rPr sz="2000" u="heavy" spc="-5" dirty="0">
@@ -2772,7 +2818,34 @@
                 <a:latin typeface="Arial"/>
                 <a:cs typeface="Arial"/>
               </a:rPr>
-              <a:t> when the last </a:t>
+              <a:t> </a:t>
+            </a:r>
+            <a:r>
+              <a:rPr sz="2000" u="heavy" spc="-5" dirty="0">
+                <a:solidFill>
+                  <a:schemeClr val="accent2"/>
+                </a:solidFill>
+                <a:uFill>
+                  <a:solidFill>
+                    <a:srgbClr val="000000"/>
+                  </a:solidFill>
+                </a:uFill>
+                <a:latin typeface="Arial"/>
+                <a:cs typeface="Arial"/>
+              </a:rPr>
+              <a:t>when</a:t>
+            </a:r>
+            <a:r>
+              <a:rPr sz="2000" u="heavy" spc="-5" dirty="0">
+                <a:uFill>
+                  <a:solidFill>
+                    <a:srgbClr val="000000"/>
+                  </a:solidFill>
+                </a:uFill>
+                <a:latin typeface="Arial"/>
+                <a:cs typeface="Arial"/>
+              </a:rPr>
+              <a:t> the last </a:t>
             </a:r>
             <a:r>
               <a:rPr sz="2000" u="heavy" dirty="0">
@@ -2788,6 +2861,9 @@
             </a:r>
             <a:r>
               <a:rPr sz="2000" u="heavy" spc="-5" dirty="0">
+                <a:solidFill>
+                  <a:schemeClr val="accent2"/>
+                </a:solidFill>
                 <a:uFill>
                   <a:solidFill>
                     <a:srgbClr val="000000"/>
@@ -2800,6 +2876,9 @@
             </a:r>
             <a:r>
               <a:rPr sz="2000" u="heavy" spc="-20" dirty="0">
+                <a:solidFill>
+                  <a:schemeClr val="accent2"/>
+                </a:solidFill>
                 <a:uFill>
                   <a:solidFill>
                     <a:srgbClr val="000000"/>
@@ -2812,6 +2891,9 @@
             </a:r>
             <a:r>
               <a:rPr sz="2000" u="heavy" spc="-5" dirty="0" smtClean="0">
+                <a:solidFill>
+                  <a:schemeClr val="accent2"/>
+                </a:solidFill>
                 <a:uFill>
                   <a:solidFill>
                     <a:srgbClr val="000000"/>
@@ -2823,6 +2905,9 @@
               <a:t>executed</a:t>
             </a:r>
             <a:endParaRPr lang="en-US" sz="2000" u="heavy" spc="-5" dirty="0" smtClean="0">
+              <a:solidFill>
+                <a:schemeClr val="accent2"/>
+              </a:solidFill>
               <a:uFill>
                 <a:solidFill>
                   <a:srgbClr val="000000"/>
@@ -2842,7 +2927,24 @@
                 <a:latin typeface="Arial"/>
                 <a:cs typeface="Arial"/>
               </a:rPr>
-              <a:t>Synchronized block is used to lock an object for any shared resource.</a:t>
+              <a:t>Synchronized block is used to lock an object </a:t>
+            </a:r>
+            <a:r>
+              <a:rPr lang="en-US" sz="2000" spc="-5" dirty="0">
+                <a:solidFill>
+                  <a:schemeClr val="accent2"/>
+                </a:solidFill>
+                <a:latin typeface="Arial"/>
+                <a:cs typeface="Arial"/>
+              </a:rPr>
+              <a:t>for any shared resource</a:t>
+            </a:r>
+            <a:r>
+              <a:rPr lang="en-US" sz="2000" spc="-5" dirty="0">
+                <a:latin typeface="Arial"/>
+                <a:cs typeface="Arial"/>
+              </a:rPr>
+              <a:t>.</a:t>
             </a:r>
           </a:p>
           <a:p>
@@ -4486,7 +4588,7 @@
         <p:spPr>
           <a:xfrm>
             <a:off x="1216022" y="1311653"/>
-            <a:ext cx="6388735" cy="5146675"/>
+            <a:ext cx="6388735" cy="5198026"/>
           </a:xfrm>
           <a:prstGeom prst="rect">
             <a:avLst/>
@@ -4576,7 +4678,7 @@
               </a:rPr>
               <a:t>";</a:t>
             </a:r>
-            <a:endParaRPr sz="1800">
+            <a:endParaRPr sz="1800" dirty="0">
               <a:latin typeface="Consolas"/>
               <a:cs typeface="Consolas"/>
             </a:endParaRPr>
@@ -4630,7 +4732,7 @@
               </a:rPr>
               <a:t>{1,2,3,4,5,6,7,8,9,10};</a:t>
             </a:r>
-            <a:endParaRPr sz="1800">
+            <a:endParaRPr sz="1800" dirty="0">
               <a:latin typeface="Consolas"/>
               <a:cs typeface="Consolas"/>
             </a:endParaRPr>
@@ -4644,7 +4746,7 @@
                 <a:spcPts val="45"/>
               </a:spcBef>
             </a:pPr>
-            <a:endParaRPr sz="1850">
+            <a:endParaRPr sz="1850" dirty="0">
               <a:latin typeface="Times New Roman"/>
               <a:cs typeface="Times New Roman"/>
             </a:endParaRPr>
@@ -4705,7 +4807,7 @@
               </a:rPr>
               <a:t>{</a:t>
             </a:r>
-            <a:endParaRPr sz="1800">
+            <a:endParaRPr sz="1800" dirty="0">
               <a:latin typeface="Consolas"/>
               <a:cs typeface="Consolas"/>
             </a:endParaRPr>
@@ -4836,7 +4938,7 @@
               </a:rPr>
               <a:t>".");</a:t>
             </a:r>
-            <a:endParaRPr sz="1800">
+            <a:endParaRPr sz="1800" dirty="0">
               <a:latin typeface="Consolas"/>
               <a:cs typeface="Consolas"/>
             </a:endParaRPr>
@@ -4860,7 +4962,7 @@
               </a:rPr>
               <a:t>}</a:t>
             </a:r>
-            <a:endParaRPr sz="1800">
+            <a:endParaRPr sz="1800" dirty="0">
               <a:latin typeface="Consolas"/>
               <a:cs typeface="Consolas"/>
             </a:endParaRPr>
@@ -4884,7 +4986,7 @@
               </a:rPr>
               <a:t>}</a:t>
             </a:r>
-            <a:endParaRPr sz="1800">
+            <a:endParaRPr sz="1800" dirty="0">
               <a:latin typeface="Consolas"/>
               <a:cs typeface="Consolas"/>
             </a:endParaRPr>
@@ -4898,7 +5000,7 @@
                 <a:spcPts val="45"/>
               </a:spcBef>
             </a:pPr>
-            <a:endParaRPr sz="1850">
+            <a:endParaRPr sz="1850" dirty="0">
               <a:latin typeface="Times New Roman"/>
               <a:cs typeface="Times New Roman"/>
             </a:endParaRPr>
@@ -4992,7 +5094,7 @@
               </a:rPr>
               <a:t>SynThread();</a:t>
             </a:r>
-            <a:endParaRPr sz="1800">
+            <a:endParaRPr sz="1800" dirty="0">
               <a:latin typeface="Consolas"/>
               <a:cs typeface="Consolas"/>
             </a:endParaRPr>
@@ -5053,7 +5155,7 @@
               </a:rPr>
               <a:t>Thread(z).start();</a:t>
             </a:r>
-            <a:endParaRPr sz="1800">
+            <a:endParaRPr sz="1800" dirty="0">
               <a:latin typeface="Consolas"/>
               <a:cs typeface="Consolas"/>
             </a:endParaRPr>
@@ -5077,7 +5179,7 @@
               </a:rPr>
               <a:t>}</a:t>
             </a:r>
-            <a:endParaRPr sz="1800">
+            <a:endParaRPr sz="1800" dirty="0">
               <a:latin typeface="Consolas"/>
               <a:cs typeface="Consolas"/>
             </a:endParaRPr>
@@ -5101,7 +5203,7 @@
               </a:rPr>
               <a:t>}</a:t>
             </a:r>
-            <a:endParaRPr sz="1800">
+            <a:endParaRPr sz="1800" dirty="0">
               <a:latin typeface="Consolas"/>
               <a:cs typeface="Consolas"/>
             </a:endParaRPr>
@@ -5117,24 +5219,64 @@
             </a:pPr>
             <a:r>
               <a:rPr sz="1400" spc="-5" dirty="0">
+                <a:solidFill>
+                  <a:schemeClr val="accent2"/>
+                </a:solidFill>
                 <a:latin typeface="Arial"/>
                 <a:cs typeface="Arial"/>
               </a:rPr>
               <a:t>Run this </a:t>
+            </a:r>
+            <a:r>
+              <a:rPr sz="1400" dirty="0">
+                <a:solidFill>
+                  <a:schemeClr val="accent2"/>
+                </a:solidFill>
+                <a:latin typeface="Arial"/>
+                <a:cs typeface="Arial"/>
+              </a:rPr>
+              <a:t>code </a:t>
+            </a:r>
+            <a:r>
+              <a:rPr sz="1400" spc="-5" dirty="0">
+                <a:solidFill>
+                  <a:schemeClr val="accent2"/>
+                </a:solidFill>
+                <a:latin typeface="Arial"/>
+                <a:cs typeface="Arial"/>
+              </a:rPr>
+              <a:t>twice</a:t>
+            </a:r>
+            <a:r>
+              <a:rPr sz="1400" spc="-5" dirty="0">
+                <a:latin typeface="Arial"/>
+                <a:cs typeface="Arial"/>
+              </a:rPr>
+              <a:t>: 1. as is, and 2. add </a:t>
+            </a:r>
+            <a:r>
+              <a:rPr sz="1400" b="1" spc="-5" dirty="0">
+                <a:solidFill>
+                  <a:srgbClr val="0000CC"/>
+                </a:solidFill>
+                <a:latin typeface="Consolas"/>
+                <a:cs typeface="Consolas"/>
+              </a:rPr>
+              <a:t>synchronized </a:t>
             </a:r>
             <a:r>
               <a:rPr sz="1400" dirty="0">
                 <a:latin typeface="Arial"/>
                 <a:cs typeface="Arial"/>
               </a:rPr>
-              <a:t>code </a:t>
+              <a:t>keyword </a:t>
             </a:r>
             <a:r>
               <a:rPr sz="1400" spc="-5" dirty="0">
                 <a:latin typeface="Arial"/>
                 <a:cs typeface="Arial"/>
               </a:rPr>
-              <a:t>twice: 1. as is, and 2. add </a:t>
+              <a:t>to </a:t>
             </a:r>
             <a:r>
               <a:rPr sz="1400" b="1" spc="-5" dirty="0">
@@ -5144,39 +5286,43 @@
                 <a:latin typeface="Consolas"/>
                 <a:cs typeface="Consolas"/>
               </a:rPr>
-              <a:t>synchronized </a:t>
+              <a:t>run</a:t>
+            </a:r>
+            <a:r>
+              <a:rPr sz="1400" b="1" spc="-325" dirty="0">
+                <a:solidFill>
+                  <a:srgbClr val="0000CC"/>
+                </a:solidFill>
+                <a:latin typeface="Consolas"/>
+                <a:cs typeface="Consolas"/>
+              </a:rPr>
+              <a:t> </a:t>
+            </a:r>
+            <a:r>
+              <a:rPr sz="1400" spc="-5" dirty="0">
+                <a:latin typeface="Arial"/>
+                <a:cs typeface="Arial"/>
+              </a:rPr>
+              <a:t>method.  Can </a:t>
             </a:r>
             <a:r>
               <a:rPr sz="1400" dirty="0">
                 <a:latin typeface="Arial"/>
                 <a:cs typeface="Arial"/>
               </a:rPr>
-              <a:t>keyword </a:t>
+              <a:t>you see </a:t>
             </a:r>
             <a:r>
               <a:rPr sz="1400" spc="-5" dirty="0">
                 <a:latin typeface="Arial"/>
                 <a:cs typeface="Arial"/>
               </a:rPr>
-              <a:t>to </a:t>
-            </a:r>
-            <a:r>
-              <a:rPr sz="1400" b="1" spc="-5" dirty="0">
-                <a:solidFill>
-                  <a:srgbClr val="0000CC"/>
-                </a:solidFill>
-                <a:latin typeface="Consolas"/>
-                <a:cs typeface="Consolas"/>
-              </a:rPr>
-              <a:t>run</a:t>
-            </a:r>
-            <a:r>
-              <a:rPr sz="1400" b="1" spc="-325" dirty="0">
-                <a:solidFill>
-                  <a:srgbClr val="0000CC"/>
-                </a:solidFill>
-                <a:latin typeface="Consolas"/>
-                <a:cs typeface="Consolas"/>
+              <a:t>the</a:t>
+            </a:r>
+            <a:r>
+              <a:rPr sz="1400" spc="-20" dirty="0">
+                <a:latin typeface="Arial"/>
+                <a:cs typeface="Arial"/>
               </a:rPr>
               <a:t> </a:t>
             </a:r>
@@ -5185,37 +5331,9 @@
                 <a:latin typeface="Arial"/>
                 <a:cs typeface="Arial"/>
               </a:rPr>
-              <a:t>method.  Can </a:t>
-            </a:r>
-            <a:r>
-              <a:rPr sz="1400" dirty="0">
-                <a:latin typeface="Arial"/>
-                <a:cs typeface="Arial"/>
-              </a:rPr>
-              <a:t>you see </a:t>
-            </a:r>
-            <a:r>
-              <a:rPr sz="1400" spc="-5" dirty="0">
-                <a:latin typeface="Arial"/>
-                <a:cs typeface="Arial"/>
-              </a:rPr>
-              <a:t>the</a:t>
-            </a:r>
-            <a:r>
-              <a:rPr sz="1400" spc="-20" dirty="0">
-                <a:latin typeface="Arial"/>
-                <a:cs typeface="Arial"/>
-              </a:rPr>
-              <a:t> </a:t>
-            </a:r>
-            <a:r>
-              <a:rPr sz="1400" spc="-5" dirty="0">
-                <a:latin typeface="Arial"/>
-                <a:cs typeface="Arial"/>
-              </a:rPr>
               <a:t>difference?</a:t>
             </a:r>
-            <a:endParaRPr sz="1400">
+            <a:endParaRPr sz="1400" dirty="0">
               <a:latin typeface="Arial"/>
               <a:cs typeface="Arial"/>
             </a:endParaRPr>
@@ -5523,6 +5641,9 @@
           <a:p>
             <a:r>
               <a:rPr lang="en-US" dirty="0">
+                <a:solidFill>
+                  <a:srgbClr val="FF0000"/>
+                </a:solidFill>
                 <a:latin typeface="Arial" panose="020B0604020202020204" pitchFamily="34" charset="0"/>
                 <a:cs typeface="Arial" panose="020B0604020202020204" pitchFamily="34" charset="0"/>
               </a:rPr>
@@ -5530,199 +5651,287 @@
             </a:r>
             <a:r>
               <a:rPr lang="en-US" dirty="0" smtClean="0">
+                <a:solidFill>
+                  <a:srgbClr val="FF0000"/>
+                </a:solidFill>
                 <a:latin typeface="Arial" panose="020B0604020202020204" pitchFamily="34" charset="0"/>
                 <a:cs typeface="Arial" panose="020B0604020202020204" pitchFamily="34" charset="0"/>
               </a:rPr>
               <a:t>) </a:t>
+            </a:r>
+            <a:r>
+              <a:rPr lang="en-US" dirty="0">
+                <a:solidFill>
+                  <a:srgbClr val="FF0000"/>
+                </a:solidFill>
+                <a:latin typeface="Arial" panose="020B0604020202020204" pitchFamily="34" charset="0"/>
+                <a:cs typeface="Arial" panose="020B0604020202020204" pitchFamily="34" charset="0"/>
+              </a:rPr>
+              <a:t>named object1 and object2</a:t>
+            </a:r>
+            <a:r>
+              <a:rPr lang="en-US" dirty="0" smtClean="0">
+                <a:solidFill>
+                  <a:srgbClr val="FF0000"/>
+                </a:solidFill>
+                <a:latin typeface="Arial" panose="020B0604020202020204" pitchFamily="34" charset="0"/>
+                <a:cs typeface="Arial" panose="020B0604020202020204" pitchFamily="34" charset="0"/>
+              </a:rPr>
+              <a:t>.</a:t>
+            </a:r>
+          </a:p>
+          <a:p>
+            <a:r>
+              <a:rPr lang="en-US" dirty="0" smtClean="0">
+                <a:solidFill>
+                  <a:srgbClr val="FF0000"/>
+                </a:solidFill>
+                <a:latin typeface="Arial" panose="020B0604020202020204" pitchFamily="34" charset="0"/>
+                <a:cs typeface="Arial" panose="020B0604020202020204" pitchFamily="34" charset="0"/>
+              </a:rPr>
+              <a:t>In </a:t>
+            </a:r>
+            <a:r>
+              <a:rPr lang="en-US" dirty="0">
+                <a:solidFill>
+                  <a:srgbClr val="FF0000"/>
+                </a:solidFill>
+                <a:latin typeface="Arial" panose="020B0604020202020204" pitchFamily="34" charset="0"/>
+                <a:cs typeface="Arial" panose="020B0604020202020204" pitchFamily="34" charset="0"/>
+              </a:rPr>
+              <a:t>case of synchronized method and synchronized block </a:t>
+            </a:r>
+            <a:r>
+              <a:rPr lang="en-US" dirty="0" smtClean="0">
+                <a:solidFill>
+                  <a:srgbClr val="FF0000"/>
+                </a:solidFill>
+                <a:latin typeface="Arial" panose="020B0604020202020204" pitchFamily="34" charset="0"/>
+                <a:cs typeface="Arial" panose="020B0604020202020204" pitchFamily="34" charset="0"/>
+              </a:rPr>
+              <a:t>there </a:t>
+            </a:r>
+            <a:r>
+              <a:rPr lang="en-US" dirty="0">
+                <a:solidFill>
+                  <a:srgbClr val="FF0000"/>
+                </a:solidFill>
+                <a:latin typeface="Arial" panose="020B0604020202020204" pitchFamily="34" charset="0"/>
+                <a:cs typeface="Arial" panose="020B0604020202020204" pitchFamily="34" charset="0"/>
+              </a:rPr>
+              <a:t>cannot be interference between t1 and t2 </a:t>
+            </a:r>
+            <a:r>
+              <a:rPr lang="en-US" dirty="0" smtClean="0">
+                <a:solidFill>
+                  <a:srgbClr val="FF0000"/>
+                </a:solidFill>
+                <a:latin typeface="Arial" panose="020B0604020202020204" pitchFamily="34" charset="0"/>
+                <a:cs typeface="Arial" panose="020B0604020202020204" pitchFamily="34" charset="0"/>
+              </a:rPr>
+              <a:t>or </a:t>
+            </a:r>
+            <a:r>
+              <a:rPr lang="en-US" dirty="0">
+                <a:solidFill>
+                  <a:srgbClr val="FF0000"/>
+                </a:solidFill>
+                <a:latin typeface="Arial" panose="020B0604020202020204" pitchFamily="34" charset="0"/>
+                <a:cs typeface="Arial" panose="020B0604020202020204" pitchFamily="34" charset="0"/>
+              </a:rPr>
+              <a:t>t3 and t4 because t1 and t2 both refers to a common </a:t>
+            </a:r>
+            <a:r>
+              <a:rPr lang="en-US" dirty="0" smtClean="0">
+                <a:solidFill>
+                  <a:srgbClr val="FF0000"/>
+                </a:solidFill>
+                <a:latin typeface="Arial" panose="020B0604020202020204" pitchFamily="34" charset="0"/>
+                <a:cs typeface="Arial" panose="020B0604020202020204" pitchFamily="34" charset="0"/>
+              </a:rPr>
+              <a:t>object </a:t>
+            </a:r>
+            <a:r>
+              <a:rPr lang="en-US" dirty="0">
+                <a:solidFill>
+                  <a:srgbClr val="FF0000"/>
+                </a:solidFill>
+                <a:latin typeface="Arial" panose="020B0604020202020204" pitchFamily="34" charset="0"/>
+                <a:cs typeface="Arial" panose="020B0604020202020204" pitchFamily="34" charset="0"/>
+              </a:rPr>
+              <a:t>that have a single lock</a:t>
+            </a:r>
+            <a:r>
+              <a:rPr lang="en-US" dirty="0" smtClean="0">
+                <a:solidFill>
+                  <a:srgbClr val="FF0000"/>
+                </a:solidFill>
+                <a:latin typeface="Arial" panose="020B0604020202020204" pitchFamily="34" charset="0"/>
+                <a:cs typeface="Arial" panose="020B0604020202020204" pitchFamily="34" charset="0"/>
+              </a:rPr>
+              <a:t>.</a:t>
+            </a:r>
+          </a:p>
+          <a:p>
+            <a:r>
+              <a:rPr lang="en-US" dirty="0" smtClean="0">
+                <a:solidFill>
+                  <a:srgbClr val="FF0000"/>
+                </a:solidFill>
+                <a:latin typeface="Arial" panose="020B0604020202020204" pitchFamily="34" charset="0"/>
+                <a:cs typeface="Arial" panose="020B0604020202020204" pitchFamily="34" charset="0"/>
+              </a:rPr>
+              <a:t>But </a:t>
+            </a:r>
+            <a:r>
+              <a:rPr lang="en-US" dirty="0">
+                <a:solidFill>
+                  <a:srgbClr val="FF0000"/>
+                </a:solidFill>
+                <a:latin typeface="Arial" panose="020B0604020202020204" pitchFamily="34" charset="0"/>
+                <a:cs typeface="Arial" panose="020B0604020202020204" pitchFamily="34" charset="0"/>
+              </a:rPr>
+              <a:t>there can be interference between t1 and t3 </a:t>
+            </a:r>
+            <a:endParaRPr lang="en-US" dirty="0" smtClean="0">
+              <a:solidFill>
+                <a:srgbClr val="FF0000"/>
+              </a:solidFill>
+              <a:latin typeface="Arial" panose="020B0604020202020204" pitchFamily="34" charset="0"/>
+              <a:cs typeface="Arial" panose="020B0604020202020204" pitchFamily="34" charset="0"/>
+            </a:endParaRPr>
+          </a:p>
+          <a:p>
+            <a:r>
+              <a:rPr lang="en-US" dirty="0" smtClean="0">
+                <a:solidFill>
+                  <a:srgbClr val="FF0000"/>
+                </a:solidFill>
+                <a:latin typeface="Arial" panose="020B0604020202020204" pitchFamily="34" charset="0"/>
+                <a:cs typeface="Arial" panose="020B0604020202020204" pitchFamily="34" charset="0"/>
+              </a:rPr>
+              <a:t>or </a:t>
+            </a:r>
+            <a:r>
+              <a:rPr lang="en-US" dirty="0">
+                <a:solidFill>
+                  <a:srgbClr val="FF0000"/>
+                </a:solidFill>
+                <a:latin typeface="Arial" panose="020B0604020202020204" pitchFamily="34" charset="0"/>
+                <a:cs typeface="Arial" panose="020B0604020202020204" pitchFamily="34" charset="0"/>
+              </a:rPr>
+              <a:t>t2 and t4 because t1 acquires another lock and t3 </a:t>
+            </a:r>
+            <a:r>
+              <a:rPr lang="en-US" dirty="0" smtClean="0">
+                <a:solidFill>
+                  <a:srgbClr val="FF0000"/>
+                </a:solidFill>
+                <a:latin typeface="Arial" panose="020B0604020202020204" pitchFamily="34" charset="0"/>
+                <a:cs typeface="Arial" panose="020B0604020202020204" pitchFamily="34" charset="0"/>
+              </a:rPr>
+              <a:t>acquires </a:t>
+            </a:r>
+            <a:r>
+              <a:rPr lang="en-US" dirty="0">
+                <a:solidFill>
+                  <a:srgbClr val="FF0000"/>
+                </a:solidFill>
+                <a:latin typeface="Arial" panose="020B0604020202020204" pitchFamily="34" charset="0"/>
+                <a:cs typeface="Arial" panose="020B0604020202020204" pitchFamily="34" charset="0"/>
+              </a:rPr>
+              <a:t>another lock</a:t>
+            </a:r>
+            <a:r>
+              <a:rPr lang="en-US" dirty="0" smtClean="0">
+                <a:solidFill>
+                  <a:srgbClr val="FF0000"/>
+                </a:solidFill>
+                <a:latin typeface="Arial" panose="020B0604020202020204" pitchFamily="34" charset="0"/>
+                <a:cs typeface="Arial" panose="020B0604020202020204" pitchFamily="34" charset="0"/>
+              </a:rPr>
+              <a:t>.</a:t>
+            </a:r>
+          </a:p>
+          <a:p>
+            <a:r>
+              <a:rPr lang="en-US" dirty="0" smtClean="0">
+                <a:solidFill>
+                  <a:srgbClr val="FF0000"/>
+                </a:solidFill>
+                <a:latin typeface="Arial" panose="020B0604020202020204" pitchFamily="34" charset="0"/>
+                <a:cs typeface="Arial" panose="020B0604020202020204" pitchFamily="34" charset="0"/>
+              </a:rPr>
+              <a:t>I </a:t>
+            </a:r>
+            <a:r>
+              <a:rPr lang="en-US" dirty="0">
+                <a:solidFill>
+                  <a:srgbClr val="FF0000"/>
+                </a:solidFill>
+                <a:latin typeface="Arial" panose="020B0604020202020204" pitchFamily="34" charset="0"/>
+                <a:cs typeface="Arial" panose="020B0604020202020204" pitchFamily="34" charset="0"/>
+              </a:rPr>
+              <a:t>want no interference between </a:t>
+            </a:r>
+            <a:r>
+              <a:rPr lang="en-US" dirty="0" smtClean="0">
+                <a:solidFill>
+                  <a:srgbClr val="FF0000"/>
+                </a:solidFill>
+                <a:latin typeface="Arial" panose="020B0604020202020204" pitchFamily="34" charset="0"/>
+                <a:cs typeface="Arial" panose="020B0604020202020204" pitchFamily="34" charset="0"/>
+              </a:rPr>
+              <a:t>t1 </a:t>
+            </a:r>
+            <a:r>
+              <a:rPr lang="en-US" dirty="0">
+                <a:solidFill>
+                  <a:srgbClr val="FF0000"/>
+                </a:solidFill>
+                <a:latin typeface="Arial" panose="020B0604020202020204" pitchFamily="34" charset="0"/>
+                <a:cs typeface="Arial" panose="020B0604020202020204" pitchFamily="34" charset="0"/>
+              </a:rPr>
+              <a:t>and t3 or t2 and t4</a:t>
+            </a:r>
+            <a:r>
+              <a:rPr lang="en-US" dirty="0" smtClean="0">
+                <a:solidFill>
+                  <a:srgbClr val="FF0000"/>
+                </a:solidFill>
+                <a:latin typeface="Arial" panose="020B0604020202020204" pitchFamily="34" charset="0"/>
+                <a:cs typeface="Arial" panose="020B0604020202020204" pitchFamily="34" charset="0"/>
+              </a:rPr>
+              <a:t>.</a:t>
+            </a:r>
+          </a:p>
+          <a:p>
+            <a:r>
+              <a:rPr lang="en-US" dirty="0" smtClean="0">
+                <a:solidFill>
+                  <a:schemeClr val="accent2"/>
+                </a:solidFill>
+                <a:latin typeface="Arial" panose="020B0604020202020204" pitchFamily="34" charset="0"/>
+                <a:cs typeface="Arial" panose="020B0604020202020204" pitchFamily="34" charset="0"/>
+              </a:rPr>
+              <a:t>Static </a:t>
+            </a:r>
+            <a:r>
+              <a:rPr lang="en-US" dirty="0">
+                <a:solidFill>
+                  <a:schemeClr val="accent2"/>
+                </a:solidFill>
+                <a:latin typeface="Arial" panose="020B0604020202020204" pitchFamily="34" charset="0"/>
+                <a:cs typeface="Arial" panose="020B0604020202020204" pitchFamily="34" charset="0"/>
+              </a:rPr>
+              <a:t>synchronization solves this problem</a:t>
             </a:r>
             <a:r>
               <a:rPr lang="en-US" dirty="0">
                 <a:latin typeface="Arial" panose="020B0604020202020204" pitchFamily="34" charset="0"/>
                 <a:cs typeface="Arial" panose="020B0604020202020204" pitchFamily="34" charset="0"/>
               </a:rPr>
-              <a:t>named object1 and object2</a:t>
-            </a:r>
-            <a:r>
-              <a:rPr lang="en-US" dirty="0" smtClean="0">
-                <a:latin typeface="Arial" panose="020B0604020202020204" pitchFamily="34" charset="0"/>
-                <a:cs typeface="Arial" panose="020B0604020202020204" pitchFamily="34" charset="0"/>
-              </a:rPr>
               <a:t>.</a:t>
-            </a:r>
-          </a:p>
-          <a:p>
-            <a:r>
-              <a:rPr lang="en-US" dirty="0" smtClean="0">
-                <a:latin typeface="Arial" panose="020B0604020202020204" pitchFamily="34" charset="0"/>
-                <a:cs typeface="Arial" panose="020B0604020202020204" pitchFamily="34" charset="0"/>
-              </a:rPr>
-              <a:t>In </a:t>
-            </a:r>
-            <a:r>
-              <a:rPr lang="en-US" dirty="0">
-                <a:latin typeface="Arial" panose="020B0604020202020204" pitchFamily="34" charset="0"/>
-                <a:cs typeface="Arial" panose="020B0604020202020204" pitchFamily="34" charset="0"/>
-              </a:rPr>
-              <a:t>case of synchronized method and synchronized block </a:t>
-            </a:r>
-            <a:r>
-              <a:rPr lang="en-US" dirty="0" smtClean="0">
-                <a:latin typeface="Arial" panose="020B0604020202020204" pitchFamily="34" charset="0"/>
-                <a:cs typeface="Arial" panose="020B0604020202020204" pitchFamily="34" charset="0"/>
-              </a:rPr>
-              <a:t>there </a:t>
-            </a:r>
-            <a:r>
-              <a:rPr lang="en-US" dirty="0">
-                <a:latin typeface="Arial" panose="020B0604020202020204" pitchFamily="34" charset="0"/>
-                <a:cs typeface="Arial" panose="020B0604020202020204" pitchFamily="34" charset="0"/>
-              </a:rPr>
-              <a:t>cannot be interference between t1 and t2 </a:t>
-            </a:r>
-            <a:r>
-              <a:rPr lang="en-US" dirty="0" smtClean="0">
-                <a:latin typeface="Arial" panose="020B0604020202020204" pitchFamily="34" charset="0"/>
-                <a:cs typeface="Arial" panose="020B0604020202020204" pitchFamily="34" charset="0"/>
-              </a:rPr>
-              <a:t>or </a:t>
-            </a:r>
-            <a:r>
-              <a:rPr lang="en-US" dirty="0">
-                <a:latin typeface="Arial" panose="020B0604020202020204" pitchFamily="34" charset="0"/>
-                <a:cs typeface="Arial" panose="020B0604020202020204" pitchFamily="34" charset="0"/>
-              </a:rPr>
-              <a:t>t3 and t4 because t1 and t2 both refers to a common </a:t>
-            </a:r>
-            <a:r>
-              <a:rPr lang="en-US" dirty="0" smtClean="0">
-                <a:latin typeface="Arial" panose="020B0604020202020204" pitchFamily="34" charset="0"/>
-                <a:cs typeface="Arial" panose="020B0604020202020204" pitchFamily="34" charset="0"/>
-              </a:rPr>
-              <a:t>object </a:t>
-            </a:r>
-            <a:r>
-              <a:rPr lang="en-US" dirty="0">
-                <a:latin typeface="Arial" panose="020B0604020202020204" pitchFamily="34" charset="0"/>
-                <a:cs typeface="Arial" panose="020B0604020202020204" pitchFamily="34" charset="0"/>
-              </a:rPr>
-              <a:t>that have a single lock</a:t>
-            </a:r>
-            <a:r>
-              <a:rPr lang="en-US" dirty="0" smtClean="0">
-                <a:latin typeface="Arial" panose="020B0604020202020204" pitchFamily="34" charset="0"/>
-                <a:cs typeface="Arial" panose="020B0604020202020204" pitchFamily="34" charset="0"/>
-              </a:rPr>
-              <a:t>.</a:t>
-            </a:r>
-          </a:p>
-          <a:p>
-            <a:r>
-              <a:rPr lang="en-US" dirty="0" smtClean="0">
-                <a:latin typeface="Arial" panose="020B0604020202020204" pitchFamily="34" charset="0"/>
-                <a:cs typeface="Arial" panose="020B0604020202020204" pitchFamily="34" charset="0"/>
-              </a:rPr>
-              <a:t>But </a:t>
-            </a:r>
-            <a:r>
-              <a:rPr lang="en-US" dirty="0">
-                <a:latin typeface="Arial" panose="020B0604020202020204" pitchFamily="34" charset="0"/>
-                <a:cs typeface="Arial" panose="020B0604020202020204" pitchFamily="34" charset="0"/>
-              </a:rPr>
-              <a:t>there can be interference between t1 and t3 </a:t>
-            </a:r>
-            <a:endParaRPr lang="en-US" dirty="0" smtClean="0">
-              <a:latin typeface="Arial" panose="020B0604020202020204" pitchFamily="34" charset="0"/>
-              <a:cs typeface="Arial" panose="020B0604020202020204" pitchFamily="34" charset="0"/>
-            </a:endParaRPr>
-          </a:p>
-          <a:p>
-            <a:r>
-              <a:rPr lang="en-US" dirty="0" smtClean="0">
-                <a:latin typeface="Arial" panose="020B0604020202020204" pitchFamily="34" charset="0"/>
-                <a:cs typeface="Arial" panose="020B0604020202020204" pitchFamily="34" charset="0"/>
-              </a:rPr>
-              <a:t>or </a:t>
-            </a:r>
-            <a:r>
-              <a:rPr lang="en-US" dirty="0">
-                <a:latin typeface="Arial" panose="020B0604020202020204" pitchFamily="34" charset="0"/>
-                <a:cs typeface="Arial" panose="020B0604020202020204" pitchFamily="34" charset="0"/>
-              </a:rPr>
-              <a:t>t2 and t4 because t1 acquires another lock and t3 </a:t>
-            </a:r>
-            <a:r>
-              <a:rPr lang="en-US" dirty="0" smtClean="0">
-                <a:latin typeface="Arial" panose="020B0604020202020204" pitchFamily="34" charset="0"/>
-                <a:cs typeface="Arial" panose="020B0604020202020204" pitchFamily="34" charset="0"/>
-              </a:rPr>
-              <a:t>acquires </a:t>
-            </a:r>
-            <a:r>
-              <a:rPr lang="en-US" dirty="0">
-                <a:latin typeface="Arial" panose="020B0604020202020204" pitchFamily="34" charset="0"/>
-                <a:cs typeface="Arial" panose="020B0604020202020204" pitchFamily="34" charset="0"/>
-              </a:rPr>
-              <a:t>another lock</a:t>
-            </a:r>
-            <a:r>
-              <a:rPr lang="en-US" dirty="0" smtClean="0">
-                <a:latin typeface="Arial" panose="020B0604020202020204" pitchFamily="34" charset="0"/>
-                <a:cs typeface="Arial" panose="020B0604020202020204" pitchFamily="34" charset="0"/>
-              </a:rPr>
-              <a:t>.</a:t>
-            </a:r>
-          </a:p>
-          <a:p>
-            <a:r>
-              <a:rPr lang="en-US" dirty="0" smtClean="0">
-                <a:latin typeface="Arial" panose="020B0604020202020204" pitchFamily="34" charset="0"/>
-                <a:cs typeface="Arial" panose="020B0604020202020204" pitchFamily="34" charset="0"/>
-              </a:rPr>
-              <a:t>I </a:t>
-            </a:r>
-            <a:r>
-              <a:rPr lang="en-US" dirty="0">
-                <a:latin typeface="Arial" panose="020B0604020202020204" pitchFamily="34" charset="0"/>
-                <a:cs typeface="Arial" panose="020B0604020202020204" pitchFamily="34" charset="0"/>
-              </a:rPr>
-              <a:t>want no interference between </a:t>
-            </a:r>
-            <a:r>
-              <a:rPr lang="en-US" dirty="0" smtClean="0">
-                <a:latin typeface="Arial" panose="020B0604020202020204" pitchFamily="34" charset="0"/>
-                <a:cs typeface="Arial" panose="020B0604020202020204" pitchFamily="34" charset="0"/>
-              </a:rPr>
-              <a:t>t1 </a:t>
-            </a:r>
-            <a:r>
-              <a:rPr lang="en-US" dirty="0">
-                <a:latin typeface="Arial" panose="020B0604020202020204" pitchFamily="34" charset="0"/>
-                <a:cs typeface="Arial" panose="020B0604020202020204" pitchFamily="34" charset="0"/>
-              </a:rPr>
-              <a:t>and t3 or t2 and t4</a:t>
-            </a:r>
-            <a:r>
-              <a:rPr lang="en-US" dirty="0" smtClean="0">
-                <a:latin typeface="Arial" panose="020B0604020202020204" pitchFamily="34" charset="0"/>
-                <a:cs typeface="Arial" panose="020B0604020202020204" pitchFamily="34" charset="0"/>
-              </a:rPr>
-              <a:t>.</a:t>
-            </a:r>
-          </a:p>
-          <a:p>
-            <a:r>
-              <a:rPr lang="en-US" dirty="0" smtClean="0">
-                <a:latin typeface="Arial" panose="020B0604020202020204" pitchFamily="34" charset="0"/>
-                <a:cs typeface="Arial" panose="020B0604020202020204" pitchFamily="34" charset="0"/>
-              </a:rPr>
-              <a:t>Static </a:t>
-            </a:r>
-            <a:r>
-              <a:rPr lang="en-US" dirty="0">
-                <a:latin typeface="Arial" panose="020B0604020202020204" pitchFamily="34" charset="0"/>
-                <a:cs typeface="Arial" panose="020B0604020202020204" pitchFamily="34" charset="0"/>
-              </a:rPr>
-              <a:t>synchronization solves this problem.</a:t>
             </a:r>
           </a:p>
         </p:txBody>
@@ -6741,6 +6950,10 @@
           </p:nvPr>
         </p:nvSpPr>
         <p:spPr>
+          <a:xfrm>
+            <a:off x="409576" y="1463036"/>
+            <a:ext cx="8324847" cy="3729226"/>
+          </a:xfrm>
           <a:prstGeom prst="rect">
             <a:avLst/>
           </a:prstGeom>
@@ -6761,29 +6974,52 @@
             </a:pPr>
             <a:r>
               <a:rPr i="1" spc="-5" dirty="0">
+                <a:solidFill>
+                  <a:schemeClr val="accent2"/>
+                </a:solidFill>
                 <a:latin typeface="Arial"/>
                 <a:cs typeface="Arial"/>
               </a:rPr>
               <a:t>Liveness </a:t>
             </a:r>
             <a:r>
-              <a:rPr spc="-5" dirty="0"/>
+              <a:rPr spc="-5" dirty="0">
+                <a:solidFill>
+                  <a:schemeClr val="accent2"/>
+                </a:solidFill>
+              </a:rPr>
               <a:t>is the property of </a:t>
             </a:r>
             <a:r>
-              <a:rPr dirty="0"/>
+              <a:rPr dirty="0">
+                <a:solidFill>
+                  <a:schemeClr val="accent2"/>
+                </a:solidFill>
+              </a:rPr>
               <a:t>a concurrent </a:t>
             </a:r>
             <a:r>
-              <a:rPr spc="-5" dirty="0"/>
+              <a:rPr spc="-5" dirty="0">
+                <a:solidFill>
+                  <a:schemeClr val="accent2"/>
+                </a:solidFill>
+              </a:rPr>
               <a:t>application to execute in </a:t>
             </a:r>
             <a:r>
-              <a:rPr dirty="0"/>
+              <a:rPr dirty="0">
+                <a:solidFill>
+                  <a:schemeClr val="accent2"/>
+                </a:solidFill>
+              </a:rPr>
               <a:t>a </a:t>
             </a:r>
             <a:r>
-              <a:rPr spc="-5" dirty="0"/>
+              <a:rPr spc="-5" dirty="0">
+                <a:solidFill>
+                  <a:schemeClr val="accent2"/>
+                </a:solidFill>
+              </a:rPr>
               <a:t>timely  manner.</a:t>
             </a:r>
           </a:p>
@@ -6796,7 +7032,7 @@
                 <a:spcPts val="40"/>
               </a:spcBef>
             </a:pPr>
-            <a:endParaRPr sz="2050">
+            <a:endParaRPr sz="2050" dirty="0">
               <a:latin typeface="Times New Roman"/>
               <a:cs typeface="Times New Roman"/>
             </a:endParaRPr>
@@ -6829,7 +7065,7 @@
                 <a:spcPts val="45"/>
               </a:spcBef>
             </a:pPr>
-            <a:endParaRPr sz="2050">
+            <a:endParaRPr sz="2050" dirty="0">
               <a:latin typeface="Times New Roman"/>
               <a:cs typeface="Times New Roman"/>
             </a:endParaRPr>
@@ -6847,6 +7083,9 @@
             </a:pPr>
             <a:r>
               <a:rPr i="1" spc="-5" dirty="0">
+                <a:solidFill>
+                  <a:schemeClr val="accent2"/>
+                </a:solidFill>
                 <a:latin typeface="Arial"/>
                 <a:cs typeface="Arial"/>
               </a:rPr>
@@ -6889,7 +7128,7 @@
                 <a:spcPts val="40"/>
               </a:spcBef>
             </a:pPr>
-            <a:endParaRPr sz="2050">
+            <a:endParaRPr sz="2050" dirty="0">
               <a:latin typeface="Times New Roman"/>
               <a:cs typeface="Times New Roman"/>
             </a:endParaRPr>
@@ -6907,6 +7146,9 @@
             </a:pPr>
             <a:r>
               <a:rPr i="1" spc="-5" dirty="0">
+                <a:solidFill>
+                  <a:schemeClr val="accent2"/>
+                </a:solidFill>
                 <a:latin typeface="Arial"/>
                 <a:cs typeface="Arial"/>
               </a:rPr>
@@ -8088,13 +8330,30 @@
           <a:p>
             <a:r>
               <a:rPr lang="en-US" dirty="0" smtClean="0"/>
-              <a:t>Output: Thread 1: locked resource 1 </a:t>
-            </a:r>
-          </a:p>
-          <a:p>
+              <a:t>Output: </a:t>
+            </a:r>
             <a:r>
               <a:rPr lang="en-US" dirty="0" smtClean="0"/>
-              <a:t>Thread 2: locked resource 2</a:t>
+              <a:t>Thread 1: locked resource 1 </a:t>
+            </a:r>
+            <a:endParaRPr lang="en-US" dirty="0" smtClean="0"/>
+          </a:p>
+          <a:p>
+            <a:r>
+              <a:rPr lang="en-US" dirty="0" smtClean="0"/>
+              <a:t>Thread 2</a:t>
+            </a:r>
+            <a:r>
+              <a:rPr lang="en-US" smtClean="0"/>
+              <a:t>: </a:t>
+            </a:r>
+            <a:r>
+              <a:rPr lang="en-US" smtClean="0"/>
+              <a:t>locked </a:t>
+            </a:r>
+            <a:r>
+              <a:rPr lang="en-US" dirty="0" smtClean="0"/>
+              <a:t>resource 2</a:t>
             </a:r>
             <a:endParaRPr lang="en-US" dirty="0"/>
           </a:p>
@@ -8389,7 +8648,7 @@
               </a:rPr>
               <a:t>about:</a:t>
             </a:r>
-            <a:endParaRPr sz="2400">
+            <a:endParaRPr sz="2400" dirty="0">
               <a:latin typeface="Century Gothic"/>
               <a:cs typeface="Century Gothic"/>
             </a:endParaRPr>
@@ -8403,7 +8662,7 @@
                 <a:spcPts val="30"/>
               </a:spcBef>
             </a:pPr>
-            <a:endParaRPr sz="3300">
+            <a:endParaRPr sz="3300" dirty="0">
               <a:latin typeface="Times New Roman"/>
               <a:cs typeface="Times New Roman"/>
             </a:endParaRPr>
@@ -8429,7 +8688,7 @@
               </a:rPr>
               <a:t>Synchronization</a:t>
             </a:r>
-            <a:endParaRPr sz="2400">
+            <a:endParaRPr sz="2400" dirty="0">
               <a:latin typeface="Arial"/>
               <a:cs typeface="Arial"/>
             </a:endParaRPr>
@@ -8448,7 +8707,7 @@
               <a:buFont typeface="Arial"/>
               <a:buChar char="•"/>
             </a:pPr>
-            <a:endParaRPr sz="3350">
+            <a:endParaRPr sz="3350" dirty="0">
               <a:latin typeface="Times New Roman"/>
               <a:cs typeface="Times New Roman"/>
             </a:endParaRPr>
@@ -8494,7 +8753,7 @@
               </a:rPr>
               <a:t>Methods</a:t>
             </a:r>
-            <a:endParaRPr sz="2400">
+            <a:endParaRPr sz="2400" dirty="0">
               <a:latin typeface="Arial"/>
               <a:cs typeface="Arial"/>
             </a:endParaRPr>
@@ -8513,7 +8772,7 @@
               <a:buFont typeface="Arial"/>
               <a:buChar char="•"/>
             </a:pPr>
-            <a:endParaRPr sz="3350">
+            <a:endParaRPr sz="3350" dirty="0">
               <a:latin typeface="Times New Roman"/>
               <a:cs typeface="Times New Roman"/>
             </a:endParaRPr>
@@ -8539,7 +8798,7 @@
               </a:rPr>
               <a:t>Deadlock</a:t>
             </a:r>
-            <a:endParaRPr sz="2400">
+            <a:endParaRPr sz="2400" dirty="0">
               <a:latin typeface="Arial"/>
               <a:cs typeface="Arial"/>
             </a:endParaRPr>
@@ -8558,7 +8817,7 @@
               <a:buFont typeface="Arial"/>
               <a:buChar char="•"/>
             </a:pPr>
-            <a:endParaRPr sz="3350">
+            <a:endParaRPr sz="3350" dirty="0">
               <a:latin typeface="Times New Roman"/>
               <a:cs typeface="Times New Roman"/>
             </a:endParaRPr>
@@ -8604,7 +8863,7 @@
               </a:rPr>
               <a:t>Livelock</a:t>
             </a:r>
-            <a:endParaRPr sz="2400">
+            <a:endParaRPr sz="2400" dirty="0">
               <a:latin typeface="Arial"/>
               <a:cs typeface="Arial"/>
             </a:endParaRPr>
@@ -8728,7 +8987,7 @@
         <p:spPr>
           <a:xfrm>
             <a:off x="568333" y="1463036"/>
-            <a:ext cx="8190865" cy="4292600"/>
+            <a:ext cx="8190865" cy="4360168"/>
           </a:xfrm>
           <a:prstGeom prst="rect">
             <a:avLst/>
@@ -8805,6 +9064,147 @@
                     <a:srgbClr val="000000"/>
                   </a:solidFill>
                 </a:uFill>
+                <a:latin typeface="Arial"/>
+                <a:cs typeface="Arial"/>
+              </a:rPr>
+              <a:t>lock</a:t>
+            </a:r>
+            <a:endParaRPr sz="2000" dirty="0">
+              <a:latin typeface="Arial"/>
+              <a:cs typeface="Arial"/>
+            </a:endParaRPr>
+          </a:p>
+          <a:p>
+            <a:pPr>
+              <a:lnSpc>
+                <a:spcPct val="100000"/>
+              </a:lnSpc>
+              <a:spcBef>
+                <a:spcPts val="40"/>
+              </a:spcBef>
+              <a:buFont typeface="Arial"/>
+              <a:buChar char="•"/>
+            </a:pPr>
+            <a:r>
+              <a:rPr lang="en-US" sz="2050" dirty="0" smtClean="0">
+                <a:latin typeface="Times New Roman"/>
+                <a:cs typeface="Times New Roman"/>
+              </a:rPr>
+              <a:t>   </a:t>
+            </a:r>
+            <a:r>
+              <a:rPr lang="ko-KR" altLang="en-US" sz="1400" dirty="0" smtClean="0">
+                <a:latin typeface="Times New Roman"/>
+                <a:cs typeface="Times New Roman"/>
+              </a:rPr>
+              <a:t>본질적인</a:t>
+            </a:r>
+            <a:endParaRPr sz="1400" dirty="0">
+              <a:latin typeface="Times New Roman"/>
+              <a:cs typeface="Times New Roman"/>
+            </a:endParaRPr>
+          </a:p>
+          <a:p>
+            <a:pPr marL="316865" indent="-304165">
+              <a:lnSpc>
+                <a:spcPct val="100000"/>
+              </a:lnSpc>
+              <a:buChar char="•"/>
+              <a:tabLst>
+                <a:tab pos="316865" algn="l"/>
+                <a:tab pos="317500" algn="l"/>
+              </a:tabLst>
+            </a:pPr>
+            <a:r>
+              <a:rPr sz="2000" spc="-5" dirty="0">
+                <a:latin typeface="Arial"/>
+                <a:cs typeface="Arial"/>
+              </a:rPr>
+              <a:t>Every object has an intrinsic lock associated with</a:t>
+            </a:r>
+            <a:r>
+              <a:rPr sz="2000" spc="-25" dirty="0">
+                <a:latin typeface="Arial"/>
+                <a:cs typeface="Arial"/>
+              </a:rPr>
+              <a:t> </a:t>
+            </a:r>
+            <a:r>
+              <a:rPr sz="2000" spc="-5" dirty="0">
+                <a:latin typeface="Arial"/>
+                <a:cs typeface="Arial"/>
+              </a:rPr>
+              <a:t>it</a:t>
+            </a:r>
+            <a:endParaRPr sz="2000" dirty="0">
+              <a:latin typeface="Arial"/>
+              <a:cs typeface="Arial"/>
+            </a:endParaRPr>
+          </a:p>
+          <a:p>
+            <a:pPr>
+              <a:lnSpc>
+                <a:spcPct val="100000"/>
+              </a:lnSpc>
+              <a:spcBef>
+                <a:spcPts val="45"/>
+              </a:spcBef>
+              <a:buFont typeface="Arial"/>
+              <a:buChar char="•"/>
+            </a:pPr>
+            <a:endParaRPr sz="2050" dirty="0">
+              <a:latin typeface="Times New Roman"/>
+              <a:cs typeface="Times New Roman"/>
+            </a:endParaRPr>
+          </a:p>
+          <a:p>
+            <a:pPr marL="316865" marR="478790" indent="-304165">
+              <a:lnSpc>
+                <a:spcPct val="100000"/>
+              </a:lnSpc>
+              <a:buChar char="•"/>
+              <a:tabLst>
+                <a:tab pos="316865" algn="l"/>
+                <a:tab pos="317500" algn="l"/>
+              </a:tabLst>
+            </a:pPr>
+            <a:r>
+              <a:rPr sz="2000" dirty="0">
+                <a:latin typeface="Arial"/>
+                <a:cs typeface="Arial"/>
+              </a:rPr>
+              <a:t>A </a:t>
+            </a:r>
+            <a:r>
+              <a:rPr sz="2000" spc="-5" dirty="0">
+                <a:latin typeface="Arial"/>
+                <a:cs typeface="Arial"/>
+              </a:rPr>
+              <a:t>thread that needs access to an object's fields has to </a:t>
+            </a:r>
+            <a:r>
+              <a:rPr sz="2000" i="1" spc="-5" dirty="0">
+                <a:latin typeface="Arial"/>
+                <a:cs typeface="Arial"/>
+              </a:rPr>
+              <a:t>acquire </a:t>
+            </a:r>
+            <a:r>
+              <a:rPr sz="2000" spc="-5" dirty="0">
+                <a:latin typeface="Arial"/>
+                <a:cs typeface="Arial"/>
+              </a:rPr>
+              <a:t>the  object's intrinsic</a:t>
+            </a:r>
+            <a:r>
+              <a:rPr sz="2000" spc="-10" dirty="0">
+                <a:latin typeface="Arial"/>
+                <a:cs typeface="Arial"/>
+              </a:rPr>
+              <a:t> </a:t>
+            </a:r>
+            <a:r>
+              <a:rPr sz="2000" spc="-5" dirty="0">
                 <a:latin typeface="Arial"/>
                 <a:cs typeface="Arial"/>
               </a:rPr>
@@ -8843,11 +9243,32 @@
               </a:tabLst>
             </a:pPr>
             <a:r>
+              <a:rPr sz="2000" dirty="0">
+                <a:latin typeface="Arial"/>
+                <a:cs typeface="Arial"/>
+              </a:rPr>
+              <a:t>A </a:t>
+            </a:r>
+            <a:r>
               <a:rPr sz="2000" spc="-5" dirty="0">
                 <a:latin typeface="Arial"/>
                 <a:cs typeface="Arial"/>
               </a:rPr>
-              <a:t>Every object has an intrinsic lock associated with</a:t>
+              <a:t>thread has to </a:t>
+            </a:r>
+            <a:r>
+              <a:rPr sz="2000" i="1" spc="-5" dirty="0">
+                <a:latin typeface="Arial"/>
+                <a:cs typeface="Arial"/>
+              </a:rPr>
+              <a:t>release </a:t>
+            </a:r>
+            <a:r>
+              <a:rPr sz="2000" spc="-5" dirty="0">
+                <a:latin typeface="Arial"/>
+                <a:cs typeface="Arial"/>
+              </a:rPr>
+              <a:t>the intrinsic lock when it's done with an</a:t>
             </a:r>
             <a:r>
               <a:rPr sz="2000" spc="-25" dirty="0">
@@ -8861,7 +9282,7 @@
                 <a:latin typeface="Arial"/>
                 <a:cs typeface="Arial"/>
               </a:rPr>
-              <a:t>it</a:t>
+              <a:t>object</a:t>
             </a:r>
             <a:endParaRPr sz="2000" dirty="0">
               <a:latin typeface="Arial"/>
@@ -8885,154 +9306,6 @@
             </a:endParaRPr>
           </a:p>
           <a:p>
-            <a:pPr marL="316865" marR="478790" indent="-304165">
-              <a:lnSpc>
-                <a:spcPct val="100000"/>
-              </a:lnSpc>
-              <a:buChar char="•"/>
-              <a:tabLst>
-                <a:tab pos="316865" algn="l"/>
-                <a:tab pos="317500" algn="l"/>
-              </a:tabLst>
-            </a:pPr>
-            <a:r>
-              <a:rPr sz="2000" dirty="0">
-                <a:latin typeface="Arial"/>
-                <a:cs typeface="Arial"/>
-              </a:rPr>
-              <a:t>A </a:t>
-            </a:r>
-            <a:r>
-              <a:rPr sz="2000" spc="-5" dirty="0">
-                <a:latin typeface="Arial"/>
-                <a:cs typeface="Arial"/>
-              </a:rPr>
-              <a:t>thread that needs access to an object's fields has to </a:t>
-            </a:r>
-            <a:r>
-              <a:rPr sz="2000" i="1" spc="-5" dirty="0">
-                <a:latin typeface="Arial"/>
-                <a:cs typeface="Arial"/>
-              </a:rPr>
-              <a:t>acquire </a:t>
-            </a:r>
-            <a:r>
-              <a:rPr sz="2000" spc="-5" dirty="0">
-                <a:latin typeface="Arial"/>
-                <a:cs typeface="Arial"/>
-              </a:rPr>
-              <a:t>the  object's intrinsic</a:t>
-            </a:r>
-            <a:r>
-              <a:rPr sz="2000" spc="-10" dirty="0">
-                <a:latin typeface="Arial"/>
-                <a:cs typeface="Arial"/>
-              </a:rPr>
-              <a:t> </a:t>
-            </a:r>
-            <a:r>
-              <a:rPr sz="2000" spc="-5" dirty="0">
-                <a:latin typeface="Arial"/>
-                <a:cs typeface="Arial"/>
-              </a:rPr>
-              <a:t>lock</a:t>
-            </a:r>
-            <a:endParaRPr sz="2000" dirty="0">
-              <a:latin typeface="Arial"/>
-              <a:cs typeface="Arial"/>
-            </a:endParaRPr>
-          </a:p>
-          <a:p>
-            <a:pPr>
-              <a:lnSpc>
-                <a:spcPct val="100000"/>
-              </a:lnSpc>
-              <a:spcBef>
-                <a:spcPts val="40"/>
-              </a:spcBef>
-              <a:buFont typeface="Arial"/>
-              <a:buChar char="•"/>
-            </a:pPr>
-            <a:endParaRPr sz="2050" dirty="0">
-              <a:latin typeface="Times New Roman"/>
-              <a:cs typeface="Times New Roman"/>
-            </a:endParaRPr>
-          </a:p>
-          <a:p>
-            <a:pPr marL="316865" indent="-304165">
-              <a:lnSpc>
-                <a:spcPct val="100000"/>
-              </a:lnSpc>
-              <a:buChar char="•"/>
-              <a:tabLst>
-                <a:tab pos="316865" algn="l"/>
-                <a:tab pos="317500" algn="l"/>
-              </a:tabLst>
-            </a:pPr>
-            <a:r>
-              <a:rPr sz="2000" dirty="0">
-                <a:latin typeface="Arial"/>
-                <a:cs typeface="Arial"/>
-              </a:rPr>
-              <a:t>A </a:t>
-            </a:r>
-            <a:r>
-              <a:rPr sz="2000" spc="-5" dirty="0">
-                <a:latin typeface="Arial"/>
-                <a:cs typeface="Arial"/>
-              </a:rPr>
-              <a:t>thread has to </a:t>
-            </a:r>
-            <a:r>
-              <a:rPr sz="2000" i="1" spc="-5" dirty="0">
-                <a:latin typeface="Arial"/>
-                <a:cs typeface="Arial"/>
-              </a:rPr>
-              <a:t>release </a:t>
-            </a:r>
-            <a:r>
-              <a:rPr sz="2000" spc="-5" dirty="0">
-                <a:latin typeface="Arial"/>
-                <a:cs typeface="Arial"/>
-              </a:rPr>
-              <a:t>the intrinsic lock when it's done with an</a:t>
-            </a:r>
-            <a:r>
-              <a:rPr sz="2000" spc="-25" dirty="0">
-                <a:latin typeface="Arial"/>
-                <a:cs typeface="Arial"/>
-              </a:rPr>
-              <a:t> </a:t>
-            </a:r>
-            <a:r>
-              <a:rPr sz="2000" spc="-5" dirty="0">
-                <a:latin typeface="Arial"/>
-                <a:cs typeface="Arial"/>
-              </a:rPr>
-              <a:t>object</a:t>
-            </a:r>
-            <a:endParaRPr sz="2000" dirty="0">
-              <a:latin typeface="Arial"/>
-              <a:cs typeface="Arial"/>
-            </a:endParaRPr>
-          </a:p>
-          <a:p>
-            <a:pPr>
-              <a:lnSpc>
-                <a:spcPct val="100000"/>
-              </a:lnSpc>
-              <a:spcBef>
-                <a:spcPts val="45"/>
-              </a:spcBef>
-              <a:buFont typeface="Arial"/>
-              <a:buChar char="•"/>
-            </a:pPr>
-            <a:endParaRPr sz="2050" dirty="0">
-              <a:latin typeface="Times New Roman"/>
-              <a:cs typeface="Times New Roman"/>
-            </a:endParaRPr>
-          </a:p>
-          <a:p>
             <a:pPr marL="316865" marR="160020" indent="-304165">
               <a:lnSpc>
                 <a:spcPct val="100000"/>
@@ -9086,11 +9359,18 @@
               <a:t>since </a:t>
             </a:r>
             <a:r>
+              <a:rPr sz="2000" spc="-5" dirty="0" smtClean="0">
+                <a:latin typeface="Arial"/>
+                <a:cs typeface="Arial"/>
+              </a:rPr>
+              <a:t>acquires until releases  </a:t>
+            </a:r>
+            <a:r>
               <a:rPr sz="2000" spc="-5" dirty="0">
                 <a:latin typeface="Arial"/>
                 <a:cs typeface="Arial"/>
               </a:rPr>
-              <a:t>acquires until releases  the object's intrinsic</a:t>
+              <a:t>the object's intrinsic</a:t>
             </a:r>
             <a:r>
               <a:rPr sz="2000" spc="-10" dirty="0">
@@ -9100,7 +9380,7 @@
               <a:t> </a:t>
             </a:r>
             <a:r>
-              <a:rPr sz="2000" spc="-5" dirty="0">
+              <a:rPr sz="2000" spc="-5" dirty="0" smtClean="0">
                 <a:latin typeface="Arial"/>
                 <a:cs typeface="Arial"/>
               </a:rPr>
@@ -9214,11 +9494,19 @@
               </a:spcBef>
             </a:pPr>
             <a:r>
-              <a:rPr spc="-10" dirty="0"/>
+              <a:rPr spc="-10" dirty="0">
+                <a:solidFill>
+                  <a:srgbClr val="FF0000"/>
+                </a:solidFill>
+              </a:rPr>
               <a:t>Synchronization</a:t>
             </a:r>
             <a:r>
-              <a:rPr spc="-95" dirty="0"/>
+              <a:rPr spc="-95" dirty="0">
+                <a:solidFill>
+                  <a:srgbClr val="FF0000"/>
+                </a:solidFill>
+              </a:rPr>
               <a:t> </a:t>
             </a:r>
             <a:r>
@@ -9358,7 +9646,11 @@
           <a:lstStyle/>
           <a:p>
             <a:r>
-              <a:rPr lang="en-US" sz="2000" dirty="0"/>
+              <a:rPr lang="en-US" sz="2000" dirty="0">
+                <a:solidFill>
+                  <a:schemeClr val="accent2"/>
+                </a:solidFill>
+              </a:rPr>
               <a:t>The synchronization is mainly used to</a:t>
             </a:r>
           </a:p>
@@ -9664,7 +9956,19 @@
           <a:p>
             <a:r>
               <a:rPr lang="en-US" dirty="0"/>
-              <a:t>There are two types of thread synchronization mutual exclusive and inter-thread communication</a:t>
+              <a:t>There are two types of thread synchronization </a:t>
+            </a:r>
+            <a:r>
+              <a:rPr lang="en-US" dirty="0">
+                <a:solidFill>
+                  <a:schemeClr val="accent2"/>
+                </a:solidFill>
+              </a:rPr>
+              <a:t>mutual exclusive and inter-thread</a:t>
+            </a:r>
+            <a:r>
+              <a:rPr lang="en-US" dirty="0"/>
+              <a:t> communication</a:t>
             </a:r>
             <a:r>
               <a:rPr lang="en-US" dirty="0" smtClean="0"/>
@@ -9720,8 +10024,16 @@
               <a:buAutoNum type="arabicPeriod"/>
             </a:pPr>
             <a:r>
+              <a:rPr lang="en-US" dirty="0">
+                <a:solidFill>
+                  <a:srgbClr val="FF0000"/>
+                </a:solidFill>
+              </a:rPr>
+              <a:t>Cooperation</a:t>
+            </a:r>
+            <a:r>
               <a:rPr lang="en-US" dirty="0"/>
-              <a:t>Cooperation (Inter-thread communication in java)</a:t>
+              <a:t> (Inter-thread communication in java)</a:t>
             </a:r>
           </a:p>
         </p:txBody>
@@ -9914,7 +10226,31 @@
           <a:p>
             <a:r>
               <a:rPr lang="en-US" dirty="0"/>
-              <a:t>Mutual Exclusive helps keep threads from interfering with one another while sharing data. This can be done by three ways in java</a:t>
+              <a:t>Mutual Exclusive helps keep threads </a:t>
+            </a:r>
+            <a:r>
+              <a:rPr lang="en-US" dirty="0">
+                <a:solidFill>
+                  <a:schemeClr val="accent2"/>
+                </a:solidFill>
+              </a:rPr>
+              <a:t>from interfering </a:t>
+            </a:r>
+            <a:r>
+              <a:rPr lang="en-US" dirty="0"/>
+              <a:t>with one another </a:t>
+            </a:r>
+            <a:r>
+              <a:rPr lang="en-US" dirty="0">
+                <a:solidFill>
+                  <a:schemeClr val="accent2"/>
+                </a:solidFill>
+              </a:rPr>
+              <a:t>while sharing data</a:t>
+            </a:r>
+            <a:r>
+              <a:rPr lang="en-US" dirty="0"/>
+              <a:t>. This can be done by three ways in java</a:t>
             </a:r>
             <a:r>
               <a:rPr lang="en-US" dirty="0" smtClean="0"/>
@@ -9986,7 +10322,6 @@
               <a:rPr lang="en-US" dirty="0"/>
               <a:t>Mutual Exclusive</a:t>
             </a:r>
-            <a:endParaRPr lang="en-US" dirty="0"/>
           </a:p>
         </p:txBody>
       </p:sp>
@@ -12991,6 +13326,9 @@
             </a:r>
             <a:r>
               <a:rPr sz="2000" u="heavy" spc="-5" dirty="0">
+                <a:solidFill>
+                  <a:schemeClr val="accent2"/>
+                </a:solidFill>
                 <a:uFill>
                   <a:solidFill>
                     <a:srgbClr val="000000"/>
@@ -13003,6 +13341,9 @@
             </a:r>
             <a:r>
               <a:rPr sz="2000" spc="-5" dirty="0">
+                <a:solidFill>
+                  <a:schemeClr val="accent2"/>
+                </a:solidFill>
                 <a:latin typeface="Arial"/>
                 <a:cs typeface="Arial"/>
               </a:rPr>
@@ -13020,10 +13361,23 @@
                 <a:latin typeface="Arial"/>
                 <a:cs typeface="Arial"/>
               </a:rPr>
-              <a:t>method, it automatically </a:t>
+              <a:t>method, it </a:t>
+            </a:r>
+            <a:r>
+              <a:rPr sz="2000" spc="-5" dirty="0">
+                <a:solidFill>
+                  <a:schemeClr val="accent2"/>
+                </a:solidFill>
+                <a:latin typeface="Arial"/>
+                <a:cs typeface="Arial"/>
+              </a:rPr>
+              <a:t>automatically </a:t>
             </a:r>
             <a:r>
               <a:rPr sz="2000" u="heavy" spc="-5" dirty="0">
+                <a:solidFill>
+                  <a:schemeClr val="accent2"/>
+                </a:solidFill>
                 <a:uFill>
                   <a:solidFill>
                     <a:srgbClr val="000000"/>
@@ -13041,7 +13395,7 @@
               </a:rPr>
               <a:t> for that method's object</a:t>
             </a:r>
-            <a:endParaRPr sz="2000">
+            <a:endParaRPr sz="2000" dirty="0">
               <a:latin typeface="Arial"/>
               <a:cs typeface="Arial"/>
             </a:endParaRPr>
@@ -13057,7 +13411,7 @@
               <a:buFont typeface="Arial"/>
               <a:buChar char="•"/>
             </a:pPr>
-            <a:endParaRPr sz="2050">
+            <a:endParaRPr sz="2050" dirty="0">
               <a:latin typeface="Times New Roman"/>
               <a:cs typeface="Times New Roman"/>
             </a:endParaRPr>
@@ -13096,6 +13450,9 @@
             </a:r>
             <a:r>
               <a:rPr sz="2000" u="heavy" spc="-5" dirty="0">
+                <a:solidFill>
+                  <a:schemeClr val="accent2"/>
+                </a:solidFill>
                 <a:uFill>
                   <a:solidFill>
                     <a:srgbClr val="000000"/>
@@ -13108,13 +13465,43 @@
             </a:r>
             <a:r>
               <a:rPr sz="2000" spc="-5" dirty="0">
+                <a:solidFill>
+                  <a:schemeClr val="accent2"/>
+                </a:solidFill>
                 <a:latin typeface="Arial"/>
                 <a:cs typeface="Arial"/>
               </a:rPr>
-              <a:t> the acquired lock when  the </a:t>
+              <a:t> </a:t>
+            </a:r>
+            <a:r>
+              <a:rPr sz="2000" spc="-5" dirty="0">
+                <a:latin typeface="Arial"/>
+                <a:cs typeface="Arial"/>
+              </a:rPr>
+              <a:t>the acquired </a:t>
+            </a:r>
+            <a:r>
+              <a:rPr sz="2000" spc="-5" dirty="0">
+                <a:solidFill>
+                  <a:schemeClr val="accent2"/>
+                </a:solidFill>
+                <a:latin typeface="Arial"/>
+                <a:cs typeface="Arial"/>
+              </a:rPr>
+              <a:t>lock</a:t>
+            </a:r>
+            <a:r>
+              <a:rPr sz="2000" spc="-5" dirty="0">
+                <a:latin typeface="Arial"/>
+                <a:cs typeface="Arial"/>
+              </a:rPr>
+              <a:t> when  the </a:t>
             </a:r>
             <a:r>
               <a:rPr sz="2000" u="heavy" spc="-5" dirty="0">
+                <a:solidFill>
+                  <a:schemeClr val="accent2"/>
+                </a:solidFill>
                 <a:uFill>
                   <a:solidFill>
                     <a:srgbClr val="000000"/>
@@ -13127,6 +13514,9 @@
             </a:r>
             <a:r>
               <a:rPr sz="2000" u="heavy" dirty="0">
+                <a:solidFill>
+                  <a:schemeClr val="accent2"/>
+                </a:solidFill>
                 <a:uFill>
                   <a:solidFill>
                     <a:srgbClr val="000000"/>
@@ -13139,6 +13529,9 @@
             </a:r>
             <a:r>
               <a:rPr sz="2000" u="heavy" spc="-5" dirty="0">
+                <a:solidFill>
+                  <a:schemeClr val="accent2"/>
+                </a:solidFill>
                 <a:uFill>
                   <a:solidFill>
                     <a:srgbClr val="000000"/>
@@ -13149,7 +13542,10 @@
               </a:rPr>
               <a:t>returns</a:t>
             </a:r>
-            <a:endParaRPr sz="2000">
+            <a:endParaRPr sz="2000" dirty="0">
+              <a:solidFill>
+                <a:schemeClr val="accent2"/>
+              </a:solidFill>
               <a:latin typeface="Arial"/>
               <a:cs typeface="Arial"/>
             </a:endParaRPr>
@@ -13235,7 +13631,7 @@
               </a:rPr>
               <a:t>{</a:t>
             </a:r>
-            <a:endParaRPr sz="1600">
+            <a:endParaRPr sz="1600" dirty="0">
               <a:latin typeface="Consolas"/>
               <a:cs typeface="Consolas"/>
             </a:endParaRPr>
@@ -13259,7 +13655,7 @@
               </a:rPr>
               <a:t>...</a:t>
             </a:r>
-            <a:endParaRPr sz="1600">
+            <a:endParaRPr sz="1600" dirty="0">
               <a:latin typeface="Consolas"/>
               <a:cs typeface="Consolas"/>
             </a:endParaRPr>
@@ -13303,7 +13699,7 @@
               </a:rPr>
               <a:t>{</a:t>
             </a:r>
-            <a:endParaRPr sz="1600">
+            <a:endParaRPr sz="1600" dirty="0">
               <a:latin typeface="Consolas"/>
               <a:cs typeface="Consolas"/>
             </a:endParaRPr>
@@ -13327,7 +13723,7 @@
               </a:rPr>
               <a:t>...</a:t>
             </a:r>
-            <a:endParaRPr sz="1600">
+            <a:endParaRPr sz="1600" dirty="0">
               <a:latin typeface="Consolas"/>
               <a:cs typeface="Consolas"/>
             </a:endParaRPr>
@@ -13344,14 +13740,24 @@
             <a:r>
               <a:rPr sz="1600" b="1" spc="-5" dirty="0">
                 <a:solidFill>
-                  <a:srgbClr val="0000CC"/>
+                  <a:schemeClr val="accent2"/>
                 </a:solidFill>
                 <a:latin typeface="Consolas"/>
                 <a:cs typeface="Consolas"/>
               </a:rPr>
-              <a:t>return;</a:t>
-            </a:r>
-            <a:endParaRPr sz="1600">
+              <a:t>return</a:t>
+            </a:r>
+            <a:r>
+              <a:rPr sz="1600" b="1" spc="-5" dirty="0">
+                <a:solidFill>
+                  <a:srgbClr val="0000CC"/>
+                </a:solidFill>
+                <a:latin typeface="Consolas"/>
+                <a:cs typeface="Consolas"/>
+              </a:rPr>
+              <a:t>;</a:t>
+            </a:r>
+            <a:endParaRPr sz="1600" dirty="0">
               <a:latin typeface="Consolas"/>
               <a:cs typeface="Consolas"/>
             </a:endParaRPr>
@@ -13375,7 +13781,7 @@
               </a:rPr>
               <a:t>}</a:t>
             </a:r>
-            <a:endParaRPr sz="1600">
+            <a:endParaRPr sz="1600" dirty="0">
               <a:latin typeface="Consolas"/>
               <a:cs typeface="Consolas"/>
             </a:endParaRPr>
@@ -13446,7 +13852,7 @@
               </a:rPr>
               <a:t>new X();  t.method();</a:t>
             </a:r>
-            <a:endParaRPr sz="1600">
+            <a:endParaRPr sz="1600" dirty="0">
               <a:latin typeface="Consolas"/>
               <a:cs typeface="Consolas"/>
             </a:endParaRPr>
@@ -13470,7 +13876,7 @@
               </a:rPr>
               <a:t>}</a:t>
             </a:r>
-            <a:endParaRPr sz="1600">
+            <a:endParaRPr sz="1600" dirty="0">
               <a:latin typeface="Consolas"/>
               <a:cs typeface="Consolas"/>
             </a:endParaRPr>
@@ -13494,7 +13900,7 @@
               </a:rPr>
               <a:t>}</a:t>
             </a:r>
-            <a:endParaRPr sz="1600">
+            <a:endParaRPr sz="1600" dirty="0">
               <a:latin typeface="Consolas"/>
               <a:cs typeface="Consolas"/>
             </a:endParaRPr>
